--- a/Процесс работы.pptx
+++ b/Процесс работы.pptx
@@ -16,16 +16,15 @@
     <p:sldId id="264" r:id="rId10"/>
     <p:sldId id="265" r:id="rId11"/>
     <p:sldId id="266" r:id="rId12"/>
-    <p:sldId id="267" r:id="rId13"/>
-    <p:sldId id="268" r:id="rId14"/>
-    <p:sldId id="269" r:id="rId15"/>
-    <p:sldId id="270" r:id="rId16"/>
-    <p:sldId id="271" r:id="rId17"/>
-    <p:sldId id="272" r:id="rId18"/>
-    <p:sldId id="273" r:id="rId19"/>
-    <p:sldId id="274" r:id="rId20"/>
-    <p:sldId id="275" r:id="rId21"/>
-    <p:sldId id="276" r:id="rId22"/>
+    <p:sldId id="268" r:id="rId13"/>
+    <p:sldId id="269" r:id="rId14"/>
+    <p:sldId id="270" r:id="rId15"/>
+    <p:sldId id="271" r:id="rId16"/>
+    <p:sldId id="272" r:id="rId17"/>
+    <p:sldId id="273" r:id="rId18"/>
+    <p:sldId id="274" r:id="rId19"/>
+    <p:sldId id="275" r:id="rId20"/>
+    <p:sldId id="276" r:id="rId21"/>
   </p:sldIdLst>
   <p:sldSz cx="12192000" cy="6858000"/>
   <p:notesSz cx="6858000" cy="9144000"/>
@@ -3056,6 +3055,30 @@
           <a:chExt cx="0" cy="0"/>
         </a:xfrm>
       </p:grpSpPr>
+      <p:pic>
+        <p:nvPicPr>
+          <p:cNvPr id="2" name="Рисунок 1"/>
+          <p:cNvPicPr>
+            <a:picLocks noChangeAspect="1"/>
+          </p:cNvPicPr>
+          <p:nvPr/>
+        </p:nvPicPr>
+        <p:blipFill>
+          <a:blip r:embed="rId2"/>
+          <a:stretch>
+            <a:fillRect/>
+          </a:stretch>
+        </p:blipFill>
+        <p:spPr>
+          <a:xfrm>
+            <a:off x="1316281" y="254975"/>
+            <a:ext cx="9193457" cy="6304085"/>
+          </a:xfrm>
+          <a:prstGeom prst="rect">
+            <a:avLst/>
+          </a:prstGeom>
+        </p:spPr>
+      </p:pic>
     </p:spTree>
     <p:extLst>
       <p:ext uri="{BB962C8B-B14F-4D97-AF65-F5344CB8AC3E}">
@@ -3086,6 +3109,78 @@
           <a:chExt cx="0" cy="0"/>
         </a:xfrm>
       </p:grpSpPr>
+      <p:pic>
+        <p:nvPicPr>
+          <p:cNvPr id="3" name="Рисунок 2"/>
+          <p:cNvPicPr>
+            <a:picLocks noChangeAspect="1"/>
+          </p:cNvPicPr>
+          <p:nvPr/>
+        </p:nvPicPr>
+        <p:blipFill>
+          <a:blip r:embed="rId2"/>
+          <a:stretch>
+            <a:fillRect/>
+          </a:stretch>
+        </p:blipFill>
+        <p:spPr>
+          <a:xfrm>
+            <a:off x="68873" y="76200"/>
+            <a:ext cx="7666343" cy="5841023"/>
+          </a:xfrm>
+          <a:prstGeom prst="rect">
+            <a:avLst/>
+          </a:prstGeom>
+        </p:spPr>
+      </p:pic>
+      <p:pic>
+        <p:nvPicPr>
+          <p:cNvPr id="4" name="Рисунок 3"/>
+          <p:cNvPicPr>
+            <a:picLocks noChangeAspect="1"/>
+          </p:cNvPicPr>
+          <p:nvPr/>
+        </p:nvPicPr>
+        <p:blipFill>
+          <a:blip r:embed="rId3"/>
+          <a:stretch>
+            <a:fillRect/>
+          </a:stretch>
+        </p:blipFill>
+        <p:spPr>
+          <a:xfrm>
+            <a:off x="8011257" y="76200"/>
+            <a:ext cx="3695700" cy="2371725"/>
+          </a:xfrm>
+          <a:prstGeom prst="rect">
+            <a:avLst/>
+          </a:prstGeom>
+        </p:spPr>
+      </p:pic>
+      <p:pic>
+        <p:nvPicPr>
+          <p:cNvPr id="5" name="Рисунок 4"/>
+          <p:cNvPicPr>
+            <a:picLocks noChangeAspect="1"/>
+          </p:cNvPicPr>
+          <p:nvPr/>
+        </p:nvPicPr>
+        <p:blipFill>
+          <a:blip r:embed="rId4"/>
+          <a:stretch>
+            <a:fillRect/>
+          </a:stretch>
+        </p:blipFill>
+        <p:spPr>
+          <a:xfrm>
+            <a:off x="8011257" y="3335948"/>
+            <a:ext cx="3838575" cy="2581275"/>
+          </a:xfrm>
+          <a:prstGeom prst="rect">
+            <a:avLst/>
+          </a:prstGeom>
+        </p:spPr>
+      </p:pic>
     </p:spTree>
     <p:extLst>
       <p:ext uri="{BB962C8B-B14F-4D97-AF65-F5344CB8AC3E}">
@@ -3116,10 +3211,34 @@
           <a:chExt cx="0" cy="0"/>
         </a:xfrm>
       </p:grpSpPr>
+      <p:pic>
+        <p:nvPicPr>
+          <p:cNvPr id="2" name="Рисунок 1"/>
+          <p:cNvPicPr>
+            <a:picLocks noChangeAspect="1"/>
+          </p:cNvPicPr>
+          <p:nvPr/>
+        </p:nvPicPr>
+        <p:blipFill>
+          <a:blip r:embed="rId2"/>
+          <a:stretch>
+            <a:fillRect/>
+          </a:stretch>
+        </p:blipFill>
+        <p:spPr>
+          <a:xfrm>
+            <a:off x="2238375" y="461962"/>
+            <a:ext cx="7715250" cy="5934075"/>
+          </a:xfrm>
+          <a:prstGeom prst="rect">
+            <a:avLst/>
+          </a:prstGeom>
+        </p:spPr>
+      </p:pic>
     </p:spTree>
     <p:extLst>
       <p:ext uri="{BB962C8B-B14F-4D97-AF65-F5344CB8AC3E}">
-        <p14:creationId xmlns:p14="http://schemas.microsoft.com/office/powerpoint/2010/main" val="1792908440"/>
+        <p14:creationId xmlns:p14="http://schemas.microsoft.com/office/powerpoint/2010/main" val="2710664277"/>
       </p:ext>
     </p:extLst>
   </p:cSld>
@@ -3146,10 +3265,58 @@
           <a:chExt cx="0" cy="0"/>
         </a:xfrm>
       </p:grpSpPr>
+      <p:pic>
+        <p:nvPicPr>
+          <p:cNvPr id="2" name="Рисунок 1"/>
+          <p:cNvPicPr>
+            <a:picLocks noChangeAspect="1"/>
+          </p:cNvPicPr>
+          <p:nvPr/>
+        </p:nvPicPr>
+        <p:blipFill>
+          <a:blip r:embed="rId2"/>
+          <a:stretch>
+            <a:fillRect/>
+          </a:stretch>
+        </p:blipFill>
+        <p:spPr>
+          <a:xfrm>
+            <a:off x="77666" y="111369"/>
+            <a:ext cx="6743700" cy="3276600"/>
+          </a:xfrm>
+          <a:prstGeom prst="rect">
+            <a:avLst/>
+          </a:prstGeom>
+        </p:spPr>
+      </p:pic>
+      <p:pic>
+        <p:nvPicPr>
+          <p:cNvPr id="3" name="Рисунок 2"/>
+          <p:cNvPicPr>
+            <a:picLocks noChangeAspect="1"/>
+          </p:cNvPicPr>
+          <p:nvPr/>
+        </p:nvPicPr>
+        <p:blipFill>
+          <a:blip r:embed="rId3"/>
+          <a:stretch>
+            <a:fillRect/>
+          </a:stretch>
+        </p:blipFill>
+        <p:spPr>
+          <a:xfrm>
+            <a:off x="7022855" y="184637"/>
+            <a:ext cx="4037868" cy="6463443"/>
+          </a:xfrm>
+          <a:prstGeom prst="rect">
+            <a:avLst/>
+          </a:prstGeom>
+        </p:spPr>
+      </p:pic>
     </p:spTree>
     <p:extLst>
       <p:ext uri="{BB962C8B-B14F-4D97-AF65-F5344CB8AC3E}">
-        <p14:creationId xmlns:p14="http://schemas.microsoft.com/office/powerpoint/2010/main" val="2710664277"/>
+        <p14:creationId xmlns:p14="http://schemas.microsoft.com/office/powerpoint/2010/main" val="3447266190"/>
       </p:ext>
     </p:extLst>
   </p:cSld>
@@ -3176,10 +3343,34 @@
           <a:chExt cx="0" cy="0"/>
         </a:xfrm>
       </p:grpSpPr>
+      <p:pic>
+        <p:nvPicPr>
+          <p:cNvPr id="2" name="Рисунок 1"/>
+          <p:cNvPicPr>
+            <a:picLocks noChangeAspect="1"/>
+          </p:cNvPicPr>
+          <p:nvPr/>
+        </p:nvPicPr>
+        <p:blipFill>
+          <a:blip r:embed="rId2"/>
+          <a:stretch>
+            <a:fillRect/>
+          </a:stretch>
+        </p:blipFill>
+        <p:spPr>
+          <a:xfrm>
+            <a:off x="87923" y="108438"/>
+            <a:ext cx="4648200" cy="2438400"/>
+          </a:xfrm>
+          <a:prstGeom prst="rect">
+            <a:avLst/>
+          </a:prstGeom>
+        </p:spPr>
+      </p:pic>
     </p:spTree>
     <p:extLst>
       <p:ext uri="{BB962C8B-B14F-4D97-AF65-F5344CB8AC3E}">
-        <p14:creationId xmlns:p14="http://schemas.microsoft.com/office/powerpoint/2010/main" val="3447266190"/>
+        <p14:creationId xmlns:p14="http://schemas.microsoft.com/office/powerpoint/2010/main" val="1424268056"/>
       </p:ext>
     </p:extLst>
   </p:cSld>
@@ -3209,7 +3400,7 @@
     </p:spTree>
     <p:extLst>
       <p:ext uri="{BB962C8B-B14F-4D97-AF65-F5344CB8AC3E}">
-        <p14:creationId xmlns:p14="http://schemas.microsoft.com/office/powerpoint/2010/main" val="1424268056"/>
+        <p14:creationId xmlns:p14="http://schemas.microsoft.com/office/powerpoint/2010/main" val="1224977645"/>
       </p:ext>
     </p:extLst>
   </p:cSld>
@@ -3239,7 +3430,7 @@
     </p:spTree>
     <p:extLst>
       <p:ext uri="{BB962C8B-B14F-4D97-AF65-F5344CB8AC3E}">
-        <p14:creationId xmlns:p14="http://schemas.microsoft.com/office/powerpoint/2010/main" val="1224977645"/>
+        <p14:creationId xmlns:p14="http://schemas.microsoft.com/office/powerpoint/2010/main" val="2753248723"/>
       </p:ext>
     </p:extLst>
   </p:cSld>
@@ -3269,7 +3460,7 @@
     </p:spTree>
     <p:extLst>
       <p:ext uri="{BB962C8B-B14F-4D97-AF65-F5344CB8AC3E}">
-        <p14:creationId xmlns:p14="http://schemas.microsoft.com/office/powerpoint/2010/main" val="2753248723"/>
+        <p14:creationId xmlns:p14="http://schemas.microsoft.com/office/powerpoint/2010/main" val="2823174681"/>
       </p:ext>
     </p:extLst>
   </p:cSld>
@@ -3299,7 +3490,7 @@
     </p:spTree>
     <p:extLst>
       <p:ext uri="{BB962C8B-B14F-4D97-AF65-F5344CB8AC3E}">
-        <p14:creationId xmlns:p14="http://schemas.microsoft.com/office/powerpoint/2010/main" val="2823174681"/>
+        <p14:creationId xmlns:p14="http://schemas.microsoft.com/office/powerpoint/2010/main" val="3442502021"/>
       </p:ext>
     </p:extLst>
   </p:cSld>
@@ -3329,7 +3520,7 @@
     </p:spTree>
     <p:extLst>
       <p:ext uri="{BB962C8B-B14F-4D97-AF65-F5344CB8AC3E}">
-        <p14:creationId xmlns:p14="http://schemas.microsoft.com/office/powerpoint/2010/main" val="3442502021"/>
+        <p14:creationId xmlns:p14="http://schemas.microsoft.com/office/powerpoint/2010/main" val="2856830180"/>
       </p:ext>
     </p:extLst>
   </p:cSld>
@@ -3394,36 +3585,6 @@
 </file>
 
 <file path=ppt/slides/slide20.xml><?xml version="1.0" encoding="utf-8"?>
-<p:sld xmlns:a="http://schemas.openxmlformats.org/drawingml/2006/main" xmlns:r="http://schemas.openxmlformats.org/officeDocument/2006/relationships" xmlns:p="http://schemas.openxmlformats.org/presentationml/2006/main">
-  <p:cSld>
-    <p:spTree>
-      <p:nvGrpSpPr>
-        <p:cNvPr id="1" name=""/>
-        <p:cNvGrpSpPr/>
-        <p:nvPr/>
-      </p:nvGrpSpPr>
-      <p:grpSpPr>
-        <a:xfrm>
-          <a:off x="0" y="0"/>
-          <a:ext cx="0" cy="0"/>
-          <a:chOff x="0" y="0"/>
-          <a:chExt cx="0" cy="0"/>
-        </a:xfrm>
-      </p:grpSpPr>
-    </p:spTree>
-    <p:extLst>
-      <p:ext uri="{BB962C8B-B14F-4D97-AF65-F5344CB8AC3E}">
-        <p14:creationId xmlns:p14="http://schemas.microsoft.com/office/powerpoint/2010/main" val="2856830180"/>
-      </p:ext>
-    </p:extLst>
-  </p:cSld>
-  <p:clrMapOvr>
-    <a:masterClrMapping/>
-  </p:clrMapOvr>
-</p:sld>
-</file>
-
-<file path=ppt/slides/slide21.xml><?xml version="1.0" encoding="utf-8"?>
 <p:sld xmlns:a="http://schemas.openxmlformats.org/drawingml/2006/main" xmlns:r="http://schemas.openxmlformats.org/officeDocument/2006/relationships" xmlns:p="http://schemas.openxmlformats.org/presentationml/2006/main">
   <p:cSld>
     <p:spTree>
@@ -3632,6 +3793,30 @@
           <a:chExt cx="0" cy="0"/>
         </a:xfrm>
       </p:grpSpPr>
+      <p:pic>
+        <p:nvPicPr>
+          <p:cNvPr id="2" name="Рисунок 1"/>
+          <p:cNvPicPr>
+            <a:picLocks noChangeAspect="1"/>
+          </p:cNvPicPr>
+          <p:nvPr/>
+        </p:nvPicPr>
+        <p:blipFill>
+          <a:blip r:embed="rId2"/>
+          <a:stretch>
+            <a:fillRect/>
+          </a:stretch>
+        </p:blipFill>
+        <p:spPr>
+          <a:xfrm>
+            <a:off x="1562100" y="466725"/>
+            <a:ext cx="9067800" cy="5924550"/>
+          </a:xfrm>
+          <a:prstGeom prst="rect">
+            <a:avLst/>
+          </a:prstGeom>
+        </p:spPr>
+      </p:pic>
     </p:spTree>
     <p:extLst>
       <p:ext uri="{BB962C8B-B14F-4D97-AF65-F5344CB8AC3E}">
@@ -3662,6 +3847,30 @@
           <a:chExt cx="0" cy="0"/>
         </a:xfrm>
       </p:grpSpPr>
+      <p:pic>
+        <p:nvPicPr>
+          <p:cNvPr id="2" name="Рисунок 1"/>
+          <p:cNvPicPr>
+            <a:picLocks noChangeAspect="1"/>
+          </p:cNvPicPr>
+          <p:nvPr/>
+        </p:nvPicPr>
+        <p:blipFill>
+          <a:blip r:embed="rId2"/>
+          <a:stretch>
+            <a:fillRect/>
+          </a:stretch>
+        </p:blipFill>
+        <p:spPr>
+          <a:xfrm>
+            <a:off x="1562100" y="466725"/>
+            <a:ext cx="9067800" cy="5924550"/>
+          </a:xfrm>
+          <a:prstGeom prst="rect">
+            <a:avLst/>
+          </a:prstGeom>
+        </p:spPr>
+      </p:pic>
     </p:spTree>
     <p:extLst>
       <p:ext uri="{BB962C8B-B14F-4D97-AF65-F5344CB8AC3E}">
@@ -3692,6 +3901,30 @@
           <a:chExt cx="0" cy="0"/>
         </a:xfrm>
       </p:grpSpPr>
+      <p:pic>
+        <p:nvPicPr>
+          <p:cNvPr id="2" name="Рисунок 1"/>
+          <p:cNvPicPr>
+            <a:picLocks noChangeAspect="1"/>
+          </p:cNvPicPr>
+          <p:nvPr/>
+        </p:nvPicPr>
+        <p:blipFill>
+          <a:blip r:embed="rId2"/>
+          <a:stretch>
+            <a:fillRect/>
+          </a:stretch>
+        </p:blipFill>
+        <p:spPr>
+          <a:xfrm>
+            <a:off x="1685925" y="276225"/>
+            <a:ext cx="8820150" cy="6305550"/>
+          </a:xfrm>
+          <a:prstGeom prst="rect">
+            <a:avLst/>
+          </a:prstGeom>
+        </p:spPr>
+      </p:pic>
     </p:spTree>
     <p:extLst>
       <p:ext uri="{BB962C8B-B14F-4D97-AF65-F5344CB8AC3E}">
@@ -3722,6 +3955,30 @@
           <a:chExt cx="0" cy="0"/>
         </a:xfrm>
       </p:grpSpPr>
+      <p:pic>
+        <p:nvPicPr>
+          <p:cNvPr id="2" name="Рисунок 1"/>
+          <p:cNvPicPr>
+            <a:picLocks noChangeAspect="1"/>
+          </p:cNvPicPr>
+          <p:nvPr/>
+        </p:nvPicPr>
+        <p:blipFill>
+          <a:blip r:embed="rId2"/>
+          <a:stretch>
+            <a:fillRect/>
+          </a:stretch>
+        </p:blipFill>
+        <p:spPr>
+          <a:xfrm>
+            <a:off x="1719262" y="638175"/>
+            <a:ext cx="8753475" cy="5581650"/>
+          </a:xfrm>
+          <a:prstGeom prst="rect">
+            <a:avLst/>
+          </a:prstGeom>
+        </p:spPr>
+      </p:pic>
     </p:spTree>
     <p:extLst>
       <p:ext uri="{BB962C8B-B14F-4D97-AF65-F5344CB8AC3E}">

--- a/Процесс работы.pptx
+++ b/Процесс работы.pptx
@@ -20,11 +20,6 @@
     <p:sldId id="269" r:id="rId14"/>
     <p:sldId id="270" r:id="rId15"/>
     <p:sldId id="271" r:id="rId16"/>
-    <p:sldId id="272" r:id="rId17"/>
-    <p:sldId id="273" r:id="rId18"/>
-    <p:sldId id="274" r:id="rId19"/>
-    <p:sldId id="275" r:id="rId20"/>
-    <p:sldId id="276" r:id="rId21"/>
   </p:sldIdLst>
   <p:sldSz cx="12192000" cy="6858000"/>
   <p:notesSz cx="6858000" cy="9144000"/>
@@ -3367,6 +3362,54 @@
           </a:prstGeom>
         </p:spPr>
       </p:pic>
+      <p:pic>
+        <p:nvPicPr>
+          <p:cNvPr id="3" name="Рисунок 2"/>
+          <p:cNvPicPr>
+            <a:picLocks noChangeAspect="1"/>
+          </p:cNvPicPr>
+          <p:nvPr/>
+        </p:nvPicPr>
+        <p:blipFill>
+          <a:blip r:embed="rId3"/>
+          <a:stretch>
+            <a:fillRect/>
+          </a:stretch>
+        </p:blipFill>
+        <p:spPr>
+          <a:xfrm>
+            <a:off x="5083210" y="46892"/>
+            <a:ext cx="3675186" cy="3156695"/>
+          </a:xfrm>
+          <a:prstGeom prst="rect">
+            <a:avLst/>
+          </a:prstGeom>
+        </p:spPr>
+      </p:pic>
+      <p:pic>
+        <p:nvPicPr>
+          <p:cNvPr id="5" name="Рисунок 4"/>
+          <p:cNvPicPr>
+            <a:picLocks noChangeAspect="1"/>
+          </p:cNvPicPr>
+          <p:nvPr/>
+        </p:nvPicPr>
+        <p:blipFill>
+          <a:blip r:embed="rId4"/>
+          <a:stretch>
+            <a:fillRect/>
+          </a:stretch>
+        </p:blipFill>
+        <p:spPr>
+          <a:xfrm>
+            <a:off x="764931" y="3203587"/>
+            <a:ext cx="10458174" cy="3592867"/>
+          </a:xfrm>
+          <a:prstGeom prst="rect">
+            <a:avLst/>
+          </a:prstGeom>
+        </p:spPr>
+      </p:pic>
     </p:spTree>
     <p:extLst>
       <p:ext uri="{BB962C8B-B14F-4D97-AF65-F5344CB8AC3E}">
@@ -3397,130 +3440,106 @@
           <a:chExt cx="0" cy="0"/>
         </a:xfrm>
       </p:grpSpPr>
+      <p:pic>
+        <p:nvPicPr>
+          <p:cNvPr id="2" name="Рисунок 1"/>
+          <p:cNvPicPr>
+            <a:picLocks noChangeAspect="1"/>
+          </p:cNvPicPr>
+          <p:nvPr/>
+        </p:nvPicPr>
+        <p:blipFill>
+          <a:blip r:embed="rId2"/>
+          <a:stretch>
+            <a:fillRect/>
+          </a:stretch>
+        </p:blipFill>
+        <p:spPr>
+          <a:xfrm>
+            <a:off x="76328" y="111468"/>
+            <a:ext cx="6886575" cy="2038350"/>
+          </a:xfrm>
+          <a:prstGeom prst="rect">
+            <a:avLst/>
+          </a:prstGeom>
+        </p:spPr>
+      </p:pic>
+      <p:pic>
+        <p:nvPicPr>
+          <p:cNvPr id="3" name="Рисунок 2"/>
+          <p:cNvPicPr>
+            <a:picLocks noChangeAspect="1"/>
+          </p:cNvPicPr>
+          <p:nvPr/>
+        </p:nvPicPr>
+        <p:blipFill>
+          <a:blip r:embed="rId3"/>
+          <a:stretch>
+            <a:fillRect/>
+          </a:stretch>
+        </p:blipFill>
+        <p:spPr>
+          <a:xfrm>
+            <a:off x="7133928" y="111468"/>
+            <a:ext cx="3838575" cy="2581275"/>
+          </a:xfrm>
+          <a:prstGeom prst="rect">
+            <a:avLst/>
+          </a:prstGeom>
+        </p:spPr>
+      </p:pic>
+      <p:pic>
+        <p:nvPicPr>
+          <p:cNvPr id="4" name="Рисунок 3"/>
+          <p:cNvPicPr>
+            <a:picLocks noChangeAspect="1"/>
+          </p:cNvPicPr>
+          <p:nvPr/>
+        </p:nvPicPr>
+        <p:blipFill>
+          <a:blip r:embed="rId4"/>
+          <a:stretch>
+            <a:fillRect/>
+          </a:stretch>
+        </p:blipFill>
+        <p:spPr>
+          <a:xfrm>
+            <a:off x="76328" y="3627867"/>
+            <a:ext cx="5644074" cy="2402230"/>
+          </a:xfrm>
+          <a:prstGeom prst="rect">
+            <a:avLst/>
+          </a:prstGeom>
+        </p:spPr>
+      </p:pic>
+      <p:pic>
+        <p:nvPicPr>
+          <p:cNvPr id="5" name="Рисунок 4"/>
+          <p:cNvPicPr>
+            <a:picLocks noChangeAspect="1"/>
+          </p:cNvPicPr>
+          <p:nvPr/>
+        </p:nvPicPr>
+        <p:blipFill>
+          <a:blip r:embed="rId5"/>
+          <a:stretch>
+            <a:fillRect/>
+          </a:stretch>
+        </p:blipFill>
+        <p:spPr>
+          <a:xfrm>
+            <a:off x="5968314" y="3627867"/>
+            <a:ext cx="5926350" cy="2427569"/>
+          </a:xfrm>
+          <a:prstGeom prst="rect">
+            <a:avLst/>
+          </a:prstGeom>
+        </p:spPr>
+      </p:pic>
     </p:spTree>
     <p:extLst>
       <p:ext uri="{BB962C8B-B14F-4D97-AF65-F5344CB8AC3E}">
         <p14:creationId xmlns:p14="http://schemas.microsoft.com/office/powerpoint/2010/main" val="1224977645"/>
-      </p:ext>
-    </p:extLst>
-  </p:cSld>
-  <p:clrMapOvr>
-    <a:masterClrMapping/>
-  </p:clrMapOvr>
-</p:sld>
-</file>
-
-<file path=ppt/slides/slide16.xml><?xml version="1.0" encoding="utf-8"?>
-<p:sld xmlns:a="http://schemas.openxmlformats.org/drawingml/2006/main" xmlns:r="http://schemas.openxmlformats.org/officeDocument/2006/relationships" xmlns:p="http://schemas.openxmlformats.org/presentationml/2006/main">
-  <p:cSld>
-    <p:spTree>
-      <p:nvGrpSpPr>
-        <p:cNvPr id="1" name=""/>
-        <p:cNvGrpSpPr/>
-        <p:nvPr/>
-      </p:nvGrpSpPr>
-      <p:grpSpPr>
-        <a:xfrm>
-          <a:off x="0" y="0"/>
-          <a:ext cx="0" cy="0"/>
-          <a:chOff x="0" y="0"/>
-          <a:chExt cx="0" cy="0"/>
-        </a:xfrm>
-      </p:grpSpPr>
-    </p:spTree>
-    <p:extLst>
-      <p:ext uri="{BB962C8B-B14F-4D97-AF65-F5344CB8AC3E}">
-        <p14:creationId xmlns:p14="http://schemas.microsoft.com/office/powerpoint/2010/main" val="2753248723"/>
-      </p:ext>
-    </p:extLst>
-  </p:cSld>
-  <p:clrMapOvr>
-    <a:masterClrMapping/>
-  </p:clrMapOvr>
-</p:sld>
-</file>
-
-<file path=ppt/slides/slide17.xml><?xml version="1.0" encoding="utf-8"?>
-<p:sld xmlns:a="http://schemas.openxmlformats.org/drawingml/2006/main" xmlns:r="http://schemas.openxmlformats.org/officeDocument/2006/relationships" xmlns:p="http://schemas.openxmlformats.org/presentationml/2006/main">
-  <p:cSld>
-    <p:spTree>
-      <p:nvGrpSpPr>
-        <p:cNvPr id="1" name=""/>
-        <p:cNvGrpSpPr/>
-        <p:nvPr/>
-      </p:nvGrpSpPr>
-      <p:grpSpPr>
-        <a:xfrm>
-          <a:off x="0" y="0"/>
-          <a:ext cx="0" cy="0"/>
-          <a:chOff x="0" y="0"/>
-          <a:chExt cx="0" cy="0"/>
-        </a:xfrm>
-      </p:grpSpPr>
-    </p:spTree>
-    <p:extLst>
-      <p:ext uri="{BB962C8B-B14F-4D97-AF65-F5344CB8AC3E}">
-        <p14:creationId xmlns:p14="http://schemas.microsoft.com/office/powerpoint/2010/main" val="2823174681"/>
-      </p:ext>
-    </p:extLst>
-  </p:cSld>
-  <p:clrMapOvr>
-    <a:masterClrMapping/>
-  </p:clrMapOvr>
-</p:sld>
-</file>
-
-<file path=ppt/slides/slide18.xml><?xml version="1.0" encoding="utf-8"?>
-<p:sld xmlns:a="http://schemas.openxmlformats.org/drawingml/2006/main" xmlns:r="http://schemas.openxmlformats.org/officeDocument/2006/relationships" xmlns:p="http://schemas.openxmlformats.org/presentationml/2006/main">
-  <p:cSld>
-    <p:spTree>
-      <p:nvGrpSpPr>
-        <p:cNvPr id="1" name=""/>
-        <p:cNvGrpSpPr/>
-        <p:nvPr/>
-      </p:nvGrpSpPr>
-      <p:grpSpPr>
-        <a:xfrm>
-          <a:off x="0" y="0"/>
-          <a:ext cx="0" cy="0"/>
-          <a:chOff x="0" y="0"/>
-          <a:chExt cx="0" cy="0"/>
-        </a:xfrm>
-      </p:grpSpPr>
-    </p:spTree>
-    <p:extLst>
-      <p:ext uri="{BB962C8B-B14F-4D97-AF65-F5344CB8AC3E}">
-        <p14:creationId xmlns:p14="http://schemas.microsoft.com/office/powerpoint/2010/main" val="3442502021"/>
-      </p:ext>
-    </p:extLst>
-  </p:cSld>
-  <p:clrMapOvr>
-    <a:masterClrMapping/>
-  </p:clrMapOvr>
-</p:sld>
-</file>
-
-<file path=ppt/slides/slide19.xml><?xml version="1.0" encoding="utf-8"?>
-<p:sld xmlns:a="http://schemas.openxmlformats.org/drawingml/2006/main" xmlns:r="http://schemas.openxmlformats.org/officeDocument/2006/relationships" xmlns:p="http://schemas.openxmlformats.org/presentationml/2006/main">
-  <p:cSld>
-    <p:spTree>
-      <p:nvGrpSpPr>
-        <p:cNvPr id="1" name=""/>
-        <p:cNvGrpSpPr/>
-        <p:nvPr/>
-      </p:nvGrpSpPr>
-      <p:grpSpPr>
-        <a:xfrm>
-          <a:off x="0" y="0"/>
-          <a:ext cx="0" cy="0"/>
-          <a:chOff x="0" y="0"/>
-          <a:chExt cx="0" cy="0"/>
-        </a:xfrm>
-      </p:grpSpPr>
-    </p:spTree>
-    <p:extLst>
-      <p:ext uri="{BB962C8B-B14F-4D97-AF65-F5344CB8AC3E}">
-        <p14:creationId xmlns:p14="http://schemas.microsoft.com/office/powerpoint/2010/main" val="2856830180"/>
       </p:ext>
     </p:extLst>
   </p:cSld>
@@ -3575,36 +3594,6 @@
     <p:extLst>
       <p:ext uri="{BB962C8B-B14F-4D97-AF65-F5344CB8AC3E}">
         <p14:creationId xmlns:p14="http://schemas.microsoft.com/office/powerpoint/2010/main" val="1175532313"/>
-      </p:ext>
-    </p:extLst>
-  </p:cSld>
-  <p:clrMapOvr>
-    <a:masterClrMapping/>
-  </p:clrMapOvr>
-</p:sld>
-</file>
-
-<file path=ppt/slides/slide20.xml><?xml version="1.0" encoding="utf-8"?>
-<p:sld xmlns:a="http://schemas.openxmlformats.org/drawingml/2006/main" xmlns:r="http://schemas.openxmlformats.org/officeDocument/2006/relationships" xmlns:p="http://schemas.openxmlformats.org/presentationml/2006/main">
-  <p:cSld>
-    <p:spTree>
-      <p:nvGrpSpPr>
-        <p:cNvPr id="1" name=""/>
-        <p:cNvGrpSpPr/>
-        <p:nvPr/>
-      </p:nvGrpSpPr>
-      <p:grpSpPr>
-        <a:xfrm>
-          <a:off x="0" y="0"/>
-          <a:ext cx="0" cy="0"/>
-          <a:chOff x="0" y="0"/>
-          <a:chExt cx="0" cy="0"/>
-        </a:xfrm>
-      </p:grpSpPr>
-    </p:spTree>
-    <p:extLst>
-      <p:ext uri="{BB962C8B-B14F-4D97-AF65-F5344CB8AC3E}">
-        <p14:creationId xmlns:p14="http://schemas.microsoft.com/office/powerpoint/2010/main" val="601881427"/>
       </p:ext>
     </p:extLst>
   </p:cSld>
